--- a/nonUnity_folder/WebGL_studyID_logic_explanation.pptx
+++ b/nonUnity_folder/WebGL_studyID_logic_explanation.pptx
@@ -259,7 +259,7 @@
           <a:p>
             <a:fld id="{8E7BAE6E-3D98-4F70-AB27-47D8CAB85D53}" type="datetimeFigureOut">
               <a:rPr lang="en-GB" smtClean="0"/>
-              <a:t>13/08/2024</a:t>
+              <a:t>14/08/2024</a:t>
             </a:fld>
             <a:endParaRPr lang="en-GB"/>
           </a:p>
@@ -457,7 +457,7 @@
           <a:p>
             <a:fld id="{8E7BAE6E-3D98-4F70-AB27-47D8CAB85D53}" type="datetimeFigureOut">
               <a:rPr lang="en-GB" smtClean="0"/>
-              <a:t>13/08/2024</a:t>
+              <a:t>14/08/2024</a:t>
             </a:fld>
             <a:endParaRPr lang="en-GB"/>
           </a:p>
@@ -665,7 +665,7 @@
           <a:p>
             <a:fld id="{8E7BAE6E-3D98-4F70-AB27-47D8CAB85D53}" type="datetimeFigureOut">
               <a:rPr lang="en-GB" smtClean="0"/>
-              <a:t>13/08/2024</a:t>
+              <a:t>14/08/2024</a:t>
             </a:fld>
             <a:endParaRPr lang="en-GB"/>
           </a:p>
@@ -863,7 +863,7 @@
           <a:p>
             <a:fld id="{8E7BAE6E-3D98-4F70-AB27-47D8CAB85D53}" type="datetimeFigureOut">
               <a:rPr lang="en-GB" smtClean="0"/>
-              <a:t>13/08/2024</a:t>
+              <a:t>14/08/2024</a:t>
             </a:fld>
             <a:endParaRPr lang="en-GB"/>
           </a:p>
@@ -1138,7 +1138,7 @@
           <a:p>
             <a:fld id="{8E7BAE6E-3D98-4F70-AB27-47D8CAB85D53}" type="datetimeFigureOut">
               <a:rPr lang="en-GB" smtClean="0"/>
-              <a:t>13/08/2024</a:t>
+              <a:t>14/08/2024</a:t>
             </a:fld>
             <a:endParaRPr lang="en-GB"/>
           </a:p>
@@ -1403,7 +1403,7 @@
           <a:p>
             <a:fld id="{8E7BAE6E-3D98-4F70-AB27-47D8CAB85D53}" type="datetimeFigureOut">
               <a:rPr lang="en-GB" smtClean="0"/>
-              <a:t>13/08/2024</a:t>
+              <a:t>14/08/2024</a:t>
             </a:fld>
             <a:endParaRPr lang="en-GB"/>
           </a:p>
@@ -1815,7 +1815,7 @@
           <a:p>
             <a:fld id="{8E7BAE6E-3D98-4F70-AB27-47D8CAB85D53}" type="datetimeFigureOut">
               <a:rPr lang="en-GB" smtClean="0"/>
-              <a:t>13/08/2024</a:t>
+              <a:t>14/08/2024</a:t>
             </a:fld>
             <a:endParaRPr lang="en-GB"/>
           </a:p>
@@ -1956,7 +1956,7 @@
           <a:p>
             <a:fld id="{8E7BAE6E-3D98-4F70-AB27-47D8CAB85D53}" type="datetimeFigureOut">
               <a:rPr lang="en-GB" smtClean="0"/>
-              <a:t>13/08/2024</a:t>
+              <a:t>14/08/2024</a:t>
             </a:fld>
             <a:endParaRPr lang="en-GB"/>
           </a:p>
@@ -2069,7 +2069,7 @@
           <a:p>
             <a:fld id="{8E7BAE6E-3D98-4F70-AB27-47D8CAB85D53}" type="datetimeFigureOut">
               <a:rPr lang="en-GB" smtClean="0"/>
-              <a:t>13/08/2024</a:t>
+              <a:t>14/08/2024</a:t>
             </a:fld>
             <a:endParaRPr lang="en-GB"/>
           </a:p>
@@ -2380,7 +2380,7 @@
           <a:p>
             <a:fld id="{8E7BAE6E-3D98-4F70-AB27-47D8CAB85D53}" type="datetimeFigureOut">
               <a:rPr lang="en-GB" smtClean="0"/>
-              <a:t>13/08/2024</a:t>
+              <a:t>14/08/2024</a:t>
             </a:fld>
             <a:endParaRPr lang="en-GB"/>
           </a:p>
@@ -2668,7 +2668,7 @@
           <a:p>
             <a:fld id="{8E7BAE6E-3D98-4F70-AB27-47D8CAB85D53}" type="datetimeFigureOut">
               <a:rPr lang="en-GB" smtClean="0"/>
-              <a:t>13/08/2024</a:t>
+              <a:t>14/08/2024</a:t>
             </a:fld>
             <a:endParaRPr lang="en-GB"/>
           </a:p>
@@ -2909,7 +2909,7 @@
           <a:p>
             <a:fld id="{8E7BAE6E-3D98-4F70-AB27-47D8CAB85D53}" type="datetimeFigureOut">
               <a:rPr lang="en-GB" smtClean="0"/>
-              <a:t>13/08/2024</a:t>
+              <a:t>14/08/2024</a:t>
             </a:fld>
             <a:endParaRPr lang="en-GB"/>
           </a:p>
@@ -3757,7 +3757,7 @@
         </p:nvSpPr>
         <p:spPr>
           <a:xfrm>
-            <a:off x="6386947" y="3367696"/>
+            <a:off x="6424355" y="2495209"/>
             <a:ext cx="835429" cy="511233"/>
           </a:xfrm>
           <a:prstGeom prst="roundRect">
@@ -3806,7 +3806,7 @@
         </p:nvSpPr>
         <p:spPr>
           <a:xfrm>
-            <a:off x="8373689" y="3367696"/>
+            <a:off x="8460971" y="3111390"/>
             <a:ext cx="835429" cy="511233"/>
           </a:xfrm>
           <a:prstGeom prst="roundRect">
@@ -4085,7 +4085,7 @@
             <a:pPr algn="ctr"/>
             <a:r>
               <a:rPr lang="en-GB" sz="800" dirty="0"/>
-              <a:t>Download file from via the internet.</a:t>
+              <a:t>Download files from via the internet.</a:t>
             </a:r>
           </a:p>
         </p:txBody>
@@ -4140,8 +4140,8 @@
         </p:nvSpPr>
         <p:spPr>
           <a:xfrm>
-            <a:off x="7240386" y="3628504"/>
-            <a:ext cx="1084811" cy="584775"/>
+            <a:off x="7281949" y="3645131"/>
+            <a:ext cx="1255222" cy="584775"/>
           </a:xfrm>
           <a:prstGeom prst="rect">
             <a:avLst/>
@@ -4156,9 +4156,10 @@
           <a:p>
             <a:pPr algn="ctr"/>
             <a:r>
-              <a:rPr lang="en-GB" sz="800" b="1" dirty="0"/>
-              <a:t>Prepare_Exp.cs</a:t>
-            </a:r>
+              <a:rPr lang="en-GB" sz="800" b="1" dirty="0" err="1"/>
+              <a:t>UXF_UI_controllScript.cs</a:t>
+            </a:r>
+            <a:endParaRPr lang="en-GB" sz="800" b="1" dirty="0"/>
           </a:p>
           <a:p>
             <a:pPr algn="ctr"/>
@@ -4283,9 +4284,9 @@
           <p:nvPr/>
         </p:nvCxnSpPr>
         <p:spPr>
-          <a:xfrm>
-            <a:off x="5534892" y="2766928"/>
-            <a:ext cx="852055" cy="856385"/>
+          <a:xfrm flipV="1">
+            <a:off x="5534892" y="2750826"/>
+            <a:ext cx="889463" cy="16102"/>
           </a:xfrm>
           <a:prstGeom prst="straightConnector1">
             <a:avLst/>
@@ -4518,15 +4519,65 @@
             </a:extLst>
           </p:cNvPr>
           <p:cNvCxnSpPr>
+            <a:cxnSpLocks/>
             <a:stCxn id="15" idx="3"/>
-            <a:endCxn id="16" idx="1"/>
+            <a:endCxn id="2" idx="1"/>
           </p:cNvCxnSpPr>
           <p:nvPr/>
         </p:nvCxnSpPr>
         <p:spPr>
           <a:xfrm>
-            <a:off x="7222376" y="3623313"/>
-            <a:ext cx="1151313" cy="0"/>
+            <a:off x="7259784" y="2750826"/>
+            <a:ext cx="1212270" cy="0"/>
+          </a:xfrm>
+          <a:prstGeom prst="straightConnector1">
+            <a:avLst/>
+          </a:prstGeom>
+          <a:ln>
+            <a:solidFill>
+              <a:schemeClr val="tx1">
+                <a:lumMod val="95000"/>
+                <a:lumOff val="5000"/>
+              </a:schemeClr>
+            </a:solidFill>
+            <a:tailEnd type="triangle"/>
+          </a:ln>
+        </p:spPr>
+        <p:style>
+          <a:lnRef idx="1">
+            <a:schemeClr val="accent1"/>
+          </a:lnRef>
+          <a:fillRef idx="0">
+            <a:schemeClr val="accent1"/>
+          </a:fillRef>
+          <a:effectRef idx="0">
+            <a:schemeClr val="accent1"/>
+          </a:effectRef>
+          <a:fontRef idx="minor">
+            <a:schemeClr val="tx1"/>
+          </a:fontRef>
+        </p:style>
+      </p:cxnSp>
+      <p:cxnSp>
+        <p:nvCxnSpPr>
+          <p:cNvPr id="8" name="Straight Arrow Connector 7">
+            <a:extLst>
+              <a:ext uri="{FF2B5EF4-FFF2-40B4-BE49-F238E27FC236}">
+                <a16:creationId xmlns:a16="http://schemas.microsoft.com/office/drawing/2014/main" id="{6314BB30-8734-2718-F4C1-CCABE6A6C07D}"/>
+              </a:ext>
+            </a:extLst>
+          </p:cNvPr>
+          <p:cNvCxnSpPr>
+            <a:cxnSpLocks/>
+            <a:stCxn id="10" idx="0"/>
+            <a:endCxn id="12" idx="2"/>
+          </p:cNvCxnSpPr>
+          <p:nvPr/>
+        </p:nvCxnSpPr>
+        <p:spPr>
+          <a:xfrm flipV="1">
+            <a:off x="4078692" y="3878929"/>
+            <a:ext cx="0" cy="761765"/>
           </a:xfrm>
           <a:prstGeom prst="straightConnector1">
             <a:avLst/>
@@ -4558,10 +4609,10 @@
       </p:cxnSp>
       <p:pic>
         <p:nvPicPr>
-          <p:cNvPr id="3" name="Picture 2">
-            <a:extLst>
-              <a:ext uri="{FF2B5EF4-FFF2-40B4-BE49-F238E27FC236}">
-                <a16:creationId xmlns:a16="http://schemas.microsoft.com/office/drawing/2014/main" id="{159EDD91-CE84-956F-9DA2-D71BF82BA4D8}"/>
+          <p:cNvPr id="10" name="Picture 9">
+            <a:extLst>
+              <a:ext uri="{FF2B5EF4-FFF2-40B4-BE49-F238E27FC236}">
+                <a16:creationId xmlns:a16="http://schemas.microsoft.com/office/drawing/2014/main" id="{AB25A537-E538-8BEB-6650-F5230402429C}"/>
               </a:ext>
             </a:extLst>
           </p:cNvPr>
@@ -4578,34 +4629,181 @@
         </p:blipFill>
         <p:spPr>
           <a:xfrm>
-            <a:off x="2392506" y="4473604"/>
-            <a:ext cx="3372370" cy="1008378"/>
+            <a:off x="2175077" y="4640694"/>
+            <a:ext cx="3807229" cy="777999"/>
           </a:xfrm>
           <a:prstGeom prst="rect">
             <a:avLst/>
           </a:prstGeom>
         </p:spPr>
       </p:pic>
+      <p:sp>
+        <p:nvSpPr>
+          <p:cNvPr id="2" name="Rectangle: Rounded Corners 1">
+            <a:extLst>
+              <a:ext uri="{FF2B5EF4-FFF2-40B4-BE49-F238E27FC236}">
+                <a16:creationId xmlns:a16="http://schemas.microsoft.com/office/drawing/2014/main" id="{3D26929B-65E8-147F-1A09-317FA28F849E}"/>
+              </a:ext>
+            </a:extLst>
+          </p:cNvPr>
+          <p:cNvSpPr/>
+          <p:nvPr/>
+        </p:nvSpPr>
+        <p:spPr>
+          <a:xfrm>
+            <a:off x="8472054" y="2495209"/>
+            <a:ext cx="835429" cy="511233"/>
+          </a:xfrm>
+          <a:prstGeom prst="roundRect">
+            <a:avLst/>
+          </a:prstGeom>
+        </p:spPr>
+        <p:style>
+          <a:lnRef idx="2">
+            <a:schemeClr val="accent3">
+              <a:shade val="15000"/>
+            </a:schemeClr>
+          </a:lnRef>
+          <a:fillRef idx="1">
+            <a:schemeClr val="accent3"/>
+          </a:fillRef>
+          <a:effectRef idx="0">
+            <a:schemeClr val="accent3"/>
+          </a:effectRef>
+          <a:fontRef idx="minor">
+            <a:schemeClr val="lt1"/>
+          </a:fontRef>
+        </p:style>
+        <p:txBody>
+          <a:bodyPr rtlCol="0" anchor="ctr"/>
+          <a:lstStyle/>
+          <a:p>
+            <a:pPr algn="ctr"/>
+            <a:r>
+              <a:rPr lang="en-GB" sz="1000" dirty="0"/>
+              <a:t>Experiment settings</a:t>
+            </a:r>
+          </a:p>
+        </p:txBody>
+      </p:sp>
+      <p:sp>
+        <p:nvSpPr>
+          <p:cNvPr id="23" name="Rectangle: Rounded Corners 22">
+            <a:extLst>
+              <a:ext uri="{FF2B5EF4-FFF2-40B4-BE49-F238E27FC236}">
+                <a16:creationId xmlns:a16="http://schemas.microsoft.com/office/drawing/2014/main" id="{D12EACB4-FFD2-B5FB-8CFE-681AAEB6A99B}"/>
+              </a:ext>
+            </a:extLst>
+          </p:cNvPr>
+          <p:cNvSpPr/>
+          <p:nvPr/>
+        </p:nvSpPr>
+        <p:spPr>
+          <a:xfrm>
+            <a:off x="6447907" y="3111390"/>
+            <a:ext cx="835429" cy="511233"/>
+          </a:xfrm>
+          <a:prstGeom prst="roundRect">
+            <a:avLst/>
+          </a:prstGeom>
+        </p:spPr>
+        <p:style>
+          <a:lnRef idx="2">
+            <a:schemeClr val="accent3">
+              <a:shade val="15000"/>
+            </a:schemeClr>
+          </a:lnRef>
+          <a:fillRef idx="1">
+            <a:schemeClr val="accent3"/>
+          </a:fillRef>
+          <a:effectRef idx="0">
+            <a:schemeClr val="accent3"/>
+          </a:effectRef>
+          <a:fontRef idx="minor">
+            <a:schemeClr val="lt1"/>
+          </a:fontRef>
+        </p:style>
+        <p:txBody>
+          <a:bodyPr rtlCol="0" anchor="ctr"/>
+          <a:lstStyle/>
+          <a:p>
+            <a:pPr algn="ctr"/>
+            <a:r>
+              <a:rPr lang="en-GB" sz="1000" dirty="0"/>
+              <a:t>Startup text .json</a:t>
+            </a:r>
+          </a:p>
+        </p:txBody>
+      </p:sp>
       <p:cxnSp>
         <p:nvCxnSpPr>
-          <p:cNvPr id="8" name="Straight Arrow Connector 7">
-            <a:extLst>
-              <a:ext uri="{FF2B5EF4-FFF2-40B4-BE49-F238E27FC236}">
-                <a16:creationId xmlns:a16="http://schemas.microsoft.com/office/drawing/2014/main" id="{6314BB30-8734-2718-F4C1-CCABE6A6C07D}"/>
+          <p:cNvPr id="26" name="Straight Arrow Connector 25">
+            <a:extLst>
+              <a:ext uri="{FF2B5EF4-FFF2-40B4-BE49-F238E27FC236}">
+                <a16:creationId xmlns:a16="http://schemas.microsoft.com/office/drawing/2014/main" id="{78D1E7A4-00BB-E8C1-5E9C-BF6D4CA3BA06}"/>
               </a:ext>
             </a:extLst>
           </p:cNvPr>
           <p:cNvCxnSpPr>
             <a:cxnSpLocks/>
-            <a:stCxn id="12" idx="2"/>
-            <a:endCxn id="3" idx="0"/>
+            <a:stCxn id="13" idx="3"/>
+            <a:endCxn id="23" idx="1"/>
           </p:cNvCxnSpPr>
           <p:nvPr/>
         </p:nvCxnSpPr>
         <p:spPr>
-          <a:xfrm flipH="1">
-            <a:off x="4078691" y="3878929"/>
-            <a:ext cx="1" cy="594675"/>
+          <a:xfrm>
+            <a:off x="5534892" y="2766928"/>
+            <a:ext cx="913015" cy="600079"/>
+          </a:xfrm>
+          <a:prstGeom prst="straightConnector1">
+            <a:avLst/>
+          </a:prstGeom>
+          <a:ln>
+            <a:solidFill>
+              <a:schemeClr val="tx1">
+                <a:lumMod val="95000"/>
+                <a:lumOff val="5000"/>
+              </a:schemeClr>
+            </a:solidFill>
+            <a:tailEnd type="triangle"/>
+          </a:ln>
+        </p:spPr>
+        <p:style>
+          <a:lnRef idx="1">
+            <a:schemeClr val="accent1"/>
+          </a:lnRef>
+          <a:fillRef idx="0">
+            <a:schemeClr val="accent1"/>
+          </a:fillRef>
+          <a:effectRef idx="0">
+            <a:schemeClr val="accent1"/>
+          </a:effectRef>
+          <a:fontRef idx="minor">
+            <a:schemeClr val="tx1"/>
+          </a:fontRef>
+        </p:style>
+      </p:cxnSp>
+      <p:cxnSp>
+        <p:nvCxnSpPr>
+          <p:cNvPr id="31" name="Straight Arrow Connector 30">
+            <a:extLst>
+              <a:ext uri="{FF2B5EF4-FFF2-40B4-BE49-F238E27FC236}">
+                <a16:creationId xmlns:a16="http://schemas.microsoft.com/office/drawing/2014/main" id="{86E93D58-FD28-BF9F-BCA0-19589657B341}"/>
+              </a:ext>
+            </a:extLst>
+          </p:cNvPr>
+          <p:cNvCxnSpPr>
+            <a:cxnSpLocks/>
+            <a:stCxn id="23" idx="3"/>
+            <a:endCxn id="16" idx="1"/>
+          </p:cNvCxnSpPr>
+          <p:nvPr/>
+        </p:nvCxnSpPr>
+        <p:spPr>
+          <a:xfrm>
+            <a:off x="7283336" y="3367007"/>
+            <a:ext cx="1177635" cy="0"/>
           </a:xfrm>
           <a:prstGeom prst="straightConnector1">
             <a:avLst/>
